--- a/slide deck.pptx
+++ b/slide deck.pptx
@@ -6,17 +6,15 @@
     <p:sldMasterId id="2147483659" r:id="rId5"/>
   </p:sldMasterIdLst>
   <p:notesMasterIdLst>
-    <p:notesMasterId r:id="rId14"/>
+    <p:notesMasterId r:id="rId12"/>
   </p:notesMasterIdLst>
   <p:sldIdLst>
     <p:sldId id="256" r:id="rId6"/>
     <p:sldId id="257" r:id="rId7"/>
-    <p:sldId id="259" r:id="rId8"/>
-    <p:sldId id="260" r:id="rId9"/>
-    <p:sldId id="261" r:id="rId10"/>
-    <p:sldId id="263" r:id="rId11"/>
-    <p:sldId id="262" r:id="rId12"/>
-    <p:sldId id="258" r:id="rId13"/>
+    <p:sldId id="261" r:id="rId8"/>
+    <p:sldId id="263" r:id="rId9"/>
+    <p:sldId id="262" r:id="rId10"/>
+    <p:sldId id="258" r:id="rId11"/>
   </p:sldIdLst>
   <p:sldSz cx="12192000" cy="6858000"/>
   <p:notesSz cx="6858000" cy="9144000"/>
@@ -205,7 +203,7 @@
           <a:p>
             <a:fld id="{956027B6-370C-3A42-AFED-7252B7D5F7F1}" type="datetimeFigureOut">
               <a:rPr lang="en-US" smtClean="0"/>
-              <a:t>11/14/24</a:t>
+              <a:t>11/15/24</a:t>
             </a:fld>
             <a:endParaRPr lang="en-US"/>
           </a:p>
@@ -564,222 +562,6 @@
         <p:cNvPr id="1" name="">
           <a:extLst>
             <a:ext uri="{FF2B5EF4-FFF2-40B4-BE49-F238E27FC236}">
-              <a16:creationId xmlns:a16="http://schemas.microsoft.com/office/drawing/2014/main" id="{1CC31F94-CDA1-6B0F-D5C4-2FCB99EE9F52}"/>
-            </a:ext>
-          </a:extLst>
-        </p:cNvPr>
-        <p:cNvGrpSpPr/>
-        <p:nvPr/>
-      </p:nvGrpSpPr>
-      <p:grpSpPr>
-        <a:xfrm>
-          <a:off x="0" y="0"/>
-          <a:ext cx="0" cy="0"/>
-          <a:chOff x="0" y="0"/>
-          <a:chExt cx="0" cy="0"/>
-        </a:xfrm>
-      </p:grpSpPr>
-      <p:sp>
-        <p:nvSpPr>
-          <p:cNvPr id="2" name="Slide Image Placeholder 1">
-            <a:extLst>
-              <a:ext uri="{FF2B5EF4-FFF2-40B4-BE49-F238E27FC236}">
-                <a16:creationId xmlns:a16="http://schemas.microsoft.com/office/drawing/2014/main" id="{1045A0CD-34DA-3624-7739-C1686B8DD2CB}"/>
-              </a:ext>
-            </a:extLst>
-          </p:cNvPr>
-          <p:cNvSpPr>
-            <a:spLocks noGrp="1" noRot="1" noChangeAspect="1"/>
-          </p:cNvSpPr>
-          <p:nvPr>
-            <p:ph type="sldImg"/>
-          </p:nvPr>
-        </p:nvSpPr>
-        <p:spPr/>
-      </p:sp>
-      <p:sp>
-        <p:nvSpPr>
-          <p:cNvPr id="3" name="Notes Placeholder 2">
-            <a:extLst>
-              <a:ext uri="{FF2B5EF4-FFF2-40B4-BE49-F238E27FC236}">
-                <a16:creationId xmlns:a16="http://schemas.microsoft.com/office/drawing/2014/main" id="{3FC1FAEC-1D0D-F3F9-287F-300E61848183}"/>
-              </a:ext>
-            </a:extLst>
-          </p:cNvPr>
-          <p:cNvSpPr>
-            <a:spLocks noGrp="1"/>
-          </p:cNvSpPr>
-          <p:nvPr>
-            <p:ph type="body" idx="1"/>
-          </p:nvPr>
-        </p:nvSpPr>
-        <p:spPr/>
-        <p:txBody>
-          <a:bodyPr/>
-          <a:lstStyle/>
-          <a:p>
-            <a:endParaRPr lang="en-US" dirty="0"/>
-          </a:p>
-        </p:txBody>
-      </p:sp>
-      <p:sp>
-        <p:nvSpPr>
-          <p:cNvPr id="4" name="Slide Number Placeholder 3">
-            <a:extLst>
-              <a:ext uri="{FF2B5EF4-FFF2-40B4-BE49-F238E27FC236}">
-                <a16:creationId xmlns:a16="http://schemas.microsoft.com/office/drawing/2014/main" id="{6E2ADDAD-0A1F-73A4-E081-3765069700ED}"/>
-              </a:ext>
-            </a:extLst>
-          </p:cNvPr>
-          <p:cNvSpPr>
-            <a:spLocks noGrp="1"/>
-          </p:cNvSpPr>
-          <p:nvPr>
-            <p:ph type="sldNum" sz="quarter" idx="5"/>
-          </p:nvPr>
-        </p:nvSpPr>
-        <p:spPr/>
-        <p:txBody>
-          <a:bodyPr/>
-          <a:lstStyle/>
-          <a:p>
-            <a:fld id="{6CC21EE2-5270-E842-BFF2-BCA5446516B1}" type="slidenum">
-              <a:rPr lang="en-US" smtClean="0"/>
-              <a:t>3</a:t>
-            </a:fld>
-            <a:endParaRPr lang="en-US"/>
-          </a:p>
-        </p:txBody>
-      </p:sp>
-    </p:spTree>
-    <p:extLst>
-      <p:ext uri="{BB962C8B-B14F-4D97-AF65-F5344CB8AC3E}">
-        <p14:creationId xmlns:p14="http://schemas.microsoft.com/office/powerpoint/2010/main" val="3737806839"/>
-      </p:ext>
-    </p:extLst>
-  </p:cSld>
-  <p:clrMapOvr>
-    <a:masterClrMapping/>
-  </p:clrMapOvr>
-</p:notes>
-</file>
-
-<file path=ppt/notesSlides/notesSlide3.xml><?xml version="1.0" encoding="utf-8"?>
-<p:notes xmlns:a="http://schemas.openxmlformats.org/drawingml/2006/main" xmlns:r="http://schemas.openxmlformats.org/officeDocument/2006/relationships" xmlns:p="http://schemas.openxmlformats.org/presentationml/2006/main">
-  <p:cSld>
-    <p:spTree>
-      <p:nvGrpSpPr>
-        <p:cNvPr id="1" name="">
-          <a:extLst>
-            <a:ext uri="{FF2B5EF4-FFF2-40B4-BE49-F238E27FC236}">
-              <a16:creationId xmlns:a16="http://schemas.microsoft.com/office/drawing/2014/main" id="{5F7E2B44-44D7-F8E0-63FF-0060B802E84D}"/>
-            </a:ext>
-          </a:extLst>
-        </p:cNvPr>
-        <p:cNvGrpSpPr/>
-        <p:nvPr/>
-      </p:nvGrpSpPr>
-      <p:grpSpPr>
-        <a:xfrm>
-          <a:off x="0" y="0"/>
-          <a:ext cx="0" cy="0"/>
-          <a:chOff x="0" y="0"/>
-          <a:chExt cx="0" cy="0"/>
-        </a:xfrm>
-      </p:grpSpPr>
-      <p:sp>
-        <p:nvSpPr>
-          <p:cNvPr id="2" name="Slide Image Placeholder 1">
-            <a:extLst>
-              <a:ext uri="{FF2B5EF4-FFF2-40B4-BE49-F238E27FC236}">
-                <a16:creationId xmlns:a16="http://schemas.microsoft.com/office/drawing/2014/main" id="{22A68274-A219-C48C-6460-FE039D1E7B33}"/>
-              </a:ext>
-            </a:extLst>
-          </p:cNvPr>
-          <p:cNvSpPr>
-            <a:spLocks noGrp="1" noRot="1" noChangeAspect="1"/>
-          </p:cNvSpPr>
-          <p:nvPr>
-            <p:ph type="sldImg"/>
-          </p:nvPr>
-        </p:nvSpPr>
-        <p:spPr/>
-      </p:sp>
-      <p:sp>
-        <p:nvSpPr>
-          <p:cNvPr id="3" name="Notes Placeholder 2">
-            <a:extLst>
-              <a:ext uri="{FF2B5EF4-FFF2-40B4-BE49-F238E27FC236}">
-                <a16:creationId xmlns:a16="http://schemas.microsoft.com/office/drawing/2014/main" id="{17BB33E4-B4BC-2AAF-0DF6-3F6FF5772348}"/>
-              </a:ext>
-            </a:extLst>
-          </p:cNvPr>
-          <p:cNvSpPr>
-            <a:spLocks noGrp="1"/>
-          </p:cNvSpPr>
-          <p:nvPr>
-            <p:ph type="body" idx="1"/>
-          </p:nvPr>
-        </p:nvSpPr>
-        <p:spPr/>
-        <p:txBody>
-          <a:bodyPr/>
-          <a:lstStyle/>
-          <a:p>
-            <a:endParaRPr lang="en-US" dirty="0"/>
-          </a:p>
-        </p:txBody>
-      </p:sp>
-      <p:sp>
-        <p:nvSpPr>
-          <p:cNvPr id="4" name="Slide Number Placeholder 3">
-            <a:extLst>
-              <a:ext uri="{FF2B5EF4-FFF2-40B4-BE49-F238E27FC236}">
-                <a16:creationId xmlns:a16="http://schemas.microsoft.com/office/drawing/2014/main" id="{D06E912A-F9B1-A7FE-E9E7-4E035D199DAD}"/>
-              </a:ext>
-            </a:extLst>
-          </p:cNvPr>
-          <p:cNvSpPr>
-            <a:spLocks noGrp="1"/>
-          </p:cNvSpPr>
-          <p:nvPr>
-            <p:ph type="sldNum" sz="quarter" idx="5"/>
-          </p:nvPr>
-        </p:nvSpPr>
-        <p:spPr/>
-        <p:txBody>
-          <a:bodyPr/>
-          <a:lstStyle/>
-          <a:p>
-            <a:fld id="{6CC21EE2-5270-E842-BFF2-BCA5446516B1}" type="slidenum">
-              <a:rPr lang="en-US" smtClean="0"/>
-              <a:t>4</a:t>
-            </a:fld>
-            <a:endParaRPr lang="en-US"/>
-          </a:p>
-        </p:txBody>
-      </p:sp>
-    </p:spTree>
-    <p:extLst>
-      <p:ext uri="{BB962C8B-B14F-4D97-AF65-F5344CB8AC3E}">
-        <p14:creationId xmlns:p14="http://schemas.microsoft.com/office/powerpoint/2010/main" val="27672455"/>
-      </p:ext>
-    </p:extLst>
-  </p:cSld>
-  <p:clrMapOvr>
-    <a:masterClrMapping/>
-  </p:clrMapOvr>
-</p:notes>
-</file>
-
-<file path=ppt/notesSlides/notesSlide4.xml><?xml version="1.0" encoding="utf-8"?>
-<p:notes xmlns:a="http://schemas.openxmlformats.org/drawingml/2006/main" xmlns:r="http://schemas.openxmlformats.org/officeDocument/2006/relationships" xmlns:p="http://schemas.openxmlformats.org/presentationml/2006/main">
-  <p:cSld>
-    <p:spTree>
-      <p:nvGrpSpPr>
-        <p:cNvPr id="1" name="">
-          <a:extLst>
-            <a:ext uri="{FF2B5EF4-FFF2-40B4-BE49-F238E27FC236}">
               <a16:creationId xmlns:a16="http://schemas.microsoft.com/office/drawing/2014/main" id="{BD96465E-ED9D-46E1-F3F1-CA7E9CCBC1E0}"/>
             </a:ext>
           </a:extLst>
@@ -861,7 +643,7 @@
           <a:p>
             <a:fld id="{6CC21EE2-5270-E842-BFF2-BCA5446516B1}" type="slidenum">
               <a:rPr lang="en-US" smtClean="0"/>
-              <a:t>5</a:t>
+              <a:t>3</a:t>
             </a:fld>
             <a:endParaRPr lang="en-US"/>
           </a:p>
@@ -880,7 +662,7 @@
 </p:notes>
 </file>
 
-<file path=ppt/notesSlides/notesSlide5.xml><?xml version="1.0" encoding="utf-8"?>
+<file path=ppt/notesSlides/notesSlide3.xml><?xml version="1.0" encoding="utf-8"?>
 <p:notes xmlns:a="http://schemas.openxmlformats.org/drawingml/2006/main" xmlns:r="http://schemas.openxmlformats.org/officeDocument/2006/relationships" xmlns:p="http://schemas.openxmlformats.org/presentationml/2006/main">
   <p:cSld>
     <p:spTree>
@@ -969,7 +751,7 @@
           <a:p>
             <a:fld id="{6CC21EE2-5270-E842-BFF2-BCA5446516B1}" type="slidenum">
               <a:rPr lang="en-US" smtClean="0"/>
-              <a:t>6</a:t>
+              <a:t>4</a:t>
             </a:fld>
             <a:endParaRPr lang="en-US"/>
           </a:p>
@@ -988,7 +770,7 @@
 </p:notes>
 </file>
 
-<file path=ppt/notesSlides/notesSlide6.xml><?xml version="1.0" encoding="utf-8"?>
+<file path=ppt/notesSlides/notesSlide4.xml><?xml version="1.0" encoding="utf-8"?>
 <p:notes xmlns:a="http://schemas.openxmlformats.org/drawingml/2006/main" xmlns:r="http://schemas.openxmlformats.org/officeDocument/2006/relationships" xmlns:p="http://schemas.openxmlformats.org/presentationml/2006/main">
   <p:cSld>
     <p:spTree>
@@ -1077,7 +859,7 @@
           <a:p>
             <a:fld id="{6CC21EE2-5270-E842-BFF2-BCA5446516B1}" type="slidenum">
               <a:rPr lang="en-US" smtClean="0"/>
-              <a:t>7</a:t>
+              <a:t>5</a:t>
             </a:fld>
             <a:endParaRPr lang="en-US"/>
           </a:p>
@@ -1519,7 +1301,7 @@
           <a:p>
             <a:fld id="{38CBCB78-49FF-B149-B409-65EC7AF15B47}" type="datetimeFigureOut">
               <a:rPr lang="en-US" smtClean="0"/>
-              <a:t>11/14/24</a:t>
+              <a:t>11/15/24</a:t>
             </a:fld>
             <a:endParaRPr lang="en-US"/>
           </a:p>
@@ -1747,7 +1529,7 @@
           <a:p>
             <a:fld id="{099AADD5-D820-6E45-BD75-DC5253734750}" type="datetimeFigureOut">
               <a:rPr lang="en-US" smtClean="0"/>
-              <a:t>11/14/24</a:t>
+              <a:t>11/15/24</a:t>
             </a:fld>
             <a:endParaRPr lang="en-US"/>
           </a:p>
@@ -1961,7 +1743,7 @@
           <a:p>
             <a:fld id="{099AADD5-D820-6E45-BD75-DC5253734750}" type="datetimeFigureOut">
               <a:rPr lang="en-US" smtClean="0"/>
-              <a:t>11/14/24</a:t>
+              <a:t>11/15/24</a:t>
             </a:fld>
             <a:endParaRPr lang="en-US"/>
           </a:p>
@@ -2242,7 +2024,7 @@
           <a:p>
             <a:fld id="{099AADD5-D820-6E45-BD75-DC5253734750}" type="datetimeFigureOut">
               <a:rPr lang="en-US" smtClean="0"/>
-              <a:t>11/14/24</a:t>
+              <a:t>11/15/24</a:t>
             </a:fld>
             <a:endParaRPr lang="en-US"/>
           </a:p>
@@ -2521,7 +2303,7 @@
           <a:p>
             <a:fld id="{099AADD5-D820-6E45-BD75-DC5253734750}" type="datetimeFigureOut">
               <a:rPr lang="en-US" smtClean="0"/>
-              <a:t>11/14/24</a:t>
+              <a:t>11/15/24</a:t>
             </a:fld>
             <a:endParaRPr lang="en-US"/>
           </a:p>
@@ -2948,7 +2730,7 @@
           <a:p>
             <a:fld id="{099AADD5-D820-6E45-BD75-DC5253734750}" type="datetimeFigureOut">
               <a:rPr lang="en-US" smtClean="0"/>
-              <a:t>11/14/24</a:t>
+              <a:t>11/15/24</a:t>
             </a:fld>
             <a:endParaRPr lang="en-US"/>
           </a:p>
@@ -3097,7 +2879,7 @@
           <a:p>
             <a:fld id="{099AADD5-D820-6E45-BD75-DC5253734750}" type="datetimeFigureOut">
               <a:rPr lang="en-US" smtClean="0"/>
-              <a:t>11/14/24</a:t>
+              <a:t>11/15/24</a:t>
             </a:fld>
             <a:endParaRPr lang="en-US"/>
           </a:p>
@@ -3210,7 +2992,7 @@
           <a:p>
             <a:fld id="{099AADD5-D820-6E45-BD75-DC5253734750}" type="datetimeFigureOut">
               <a:rPr lang="en-US" smtClean="0"/>
-              <a:t>11/14/24</a:t>
+              <a:t>11/15/24</a:t>
             </a:fld>
             <a:endParaRPr lang="en-US"/>
           </a:p>
@@ -3530,7 +3312,7 @@
           <a:p>
             <a:fld id="{099AADD5-D820-6E45-BD75-DC5253734750}" type="datetimeFigureOut">
               <a:rPr lang="en-US" smtClean="0"/>
-              <a:t>11/14/24</a:t>
+              <a:t>11/15/24</a:t>
             </a:fld>
             <a:endParaRPr lang="en-US"/>
           </a:p>
@@ -3827,7 +3609,7 @@
           <a:p>
             <a:fld id="{099AADD5-D820-6E45-BD75-DC5253734750}" type="datetimeFigureOut">
               <a:rPr lang="en-US" smtClean="0"/>
-              <a:t>11/14/24</a:t>
+              <a:t>11/15/24</a:t>
             </a:fld>
             <a:endParaRPr lang="en-US"/>
           </a:p>
@@ -4025,7 +3807,7 @@
           <a:p>
             <a:fld id="{38CBCB78-49FF-B149-B409-65EC7AF15B47}" type="datetimeFigureOut">
               <a:rPr lang="en-US" smtClean="0"/>
-              <a:t>11/14/24</a:t>
+              <a:t>11/15/24</a:t>
             </a:fld>
             <a:endParaRPr lang="en-US"/>
           </a:p>
@@ -4239,7 +4021,7 @@
           <a:p>
             <a:fld id="{099AADD5-D820-6E45-BD75-DC5253734750}" type="datetimeFigureOut">
               <a:rPr lang="en-US" smtClean="0"/>
-              <a:t>11/14/24</a:t>
+              <a:t>11/15/24</a:t>
             </a:fld>
             <a:endParaRPr lang="en-US"/>
           </a:p>
@@ -4453,7 +4235,7 @@
           <a:p>
             <a:fld id="{099AADD5-D820-6E45-BD75-DC5253734750}" type="datetimeFigureOut">
               <a:rPr lang="en-US" smtClean="0"/>
-              <a:t>11/14/24</a:t>
+              <a:t>11/15/24</a:t>
             </a:fld>
             <a:endParaRPr lang="en-US"/>
           </a:p>
@@ -4729,7 +4511,7 @@
           <a:p>
             <a:fld id="{38CBCB78-49FF-B149-B409-65EC7AF15B47}" type="datetimeFigureOut">
               <a:rPr lang="en-US" smtClean="0"/>
-              <a:t>11/14/24</a:t>
+              <a:t>11/15/24</a:t>
             </a:fld>
             <a:endParaRPr lang="en-US"/>
           </a:p>
@@ -4994,7 +4776,7 @@
           <a:p>
             <a:fld id="{38CBCB78-49FF-B149-B409-65EC7AF15B47}" type="datetimeFigureOut">
               <a:rPr lang="en-US" smtClean="0"/>
-              <a:t>11/14/24</a:t>
+              <a:t>11/15/24</a:t>
             </a:fld>
             <a:endParaRPr lang="en-US"/>
           </a:p>
@@ -5406,7 +5188,7 @@
           <a:p>
             <a:fld id="{38CBCB78-49FF-B149-B409-65EC7AF15B47}" type="datetimeFigureOut">
               <a:rPr lang="en-US" smtClean="0"/>
-              <a:t>11/14/24</a:t>
+              <a:t>11/15/24</a:t>
             </a:fld>
             <a:endParaRPr lang="en-US"/>
           </a:p>
@@ -5547,7 +5329,7 @@
           <a:p>
             <a:fld id="{38CBCB78-49FF-B149-B409-65EC7AF15B47}" type="datetimeFigureOut">
               <a:rPr lang="en-US" smtClean="0"/>
-              <a:t>11/14/24</a:t>
+              <a:t>11/15/24</a:t>
             </a:fld>
             <a:endParaRPr lang="en-US"/>
           </a:p>
@@ -5688,7 +5470,7 @@
           <a:p>
             <a:fld id="{38CBCB78-49FF-B149-B409-65EC7AF15B47}" type="datetimeFigureOut">
               <a:rPr lang="en-US" smtClean="0"/>
-              <a:t>11/14/24</a:t>
+              <a:t>11/15/24</a:t>
             </a:fld>
             <a:endParaRPr lang="en-US"/>
           </a:p>
@@ -5801,7 +5583,7 @@
           <a:p>
             <a:fld id="{38CBCB78-49FF-B149-B409-65EC7AF15B47}" type="datetimeFigureOut">
               <a:rPr lang="en-US" smtClean="0"/>
-              <a:t>11/14/24</a:t>
+              <a:t>11/15/24</a:t>
             </a:fld>
             <a:endParaRPr lang="en-US"/>
           </a:p>
@@ -6114,7 +5896,7 @@
           <a:p>
             <a:fld id="{38CBCB78-49FF-B149-B409-65EC7AF15B47}" type="datetimeFigureOut">
               <a:rPr lang="en-US" smtClean="0"/>
-              <a:t>11/14/24</a:t>
+              <a:t>11/15/24</a:t>
             </a:fld>
             <a:endParaRPr lang="en-US"/>
           </a:p>
@@ -6365,7 +6147,7 @@
             <a:fld id="{38CBCB78-49FF-B149-B409-65EC7AF15B47}" type="datetimeFigureOut">
               <a:rPr lang="en-US" smtClean="0"/>
               <a:pPr/>
-              <a:t>11/14/24</a:t>
+              <a:t>11/15/24</a:t>
             </a:fld>
             <a:endParaRPr lang="en-US" dirty="0"/>
           </a:p>
@@ -6884,7 +6666,7 @@
           <a:p>
             <a:fld id="{099AADD5-D820-6E45-BD75-DC5253734750}" type="datetimeFigureOut">
               <a:rPr lang="en-US" smtClean="0"/>
-              <a:t>11/14/24</a:t>
+              <a:t>11/15/24</a:t>
             </a:fld>
             <a:endParaRPr lang="en-US"/>
           </a:p>
@@ -7621,214 +7403,6 @@
         <p:cNvPr id="1" name="">
           <a:extLst>
             <a:ext uri="{FF2B5EF4-FFF2-40B4-BE49-F238E27FC236}">
-              <a16:creationId xmlns:a16="http://schemas.microsoft.com/office/drawing/2014/main" id="{CFB2EE84-0E46-3C83-01C6-EFEDD8E5CBD9}"/>
-            </a:ext>
-          </a:extLst>
-        </p:cNvPr>
-        <p:cNvGrpSpPr/>
-        <p:nvPr/>
-      </p:nvGrpSpPr>
-      <p:grpSpPr>
-        <a:xfrm>
-          <a:off x="0" y="0"/>
-          <a:ext cx="0" cy="0"/>
-          <a:chOff x="0" y="0"/>
-          <a:chExt cx="0" cy="0"/>
-        </a:xfrm>
-      </p:grpSpPr>
-      <p:sp>
-        <p:nvSpPr>
-          <p:cNvPr id="2" name="Title 1">
-            <a:extLst>
-              <a:ext uri="{FF2B5EF4-FFF2-40B4-BE49-F238E27FC236}">
-                <a16:creationId xmlns:a16="http://schemas.microsoft.com/office/drawing/2014/main" id="{620AD697-7EFB-FE61-6833-4B6733866DB3}"/>
-              </a:ext>
-            </a:extLst>
-          </p:cNvPr>
-          <p:cNvSpPr>
-            <a:spLocks noGrp="1"/>
-          </p:cNvSpPr>
-          <p:nvPr>
-            <p:ph type="title"/>
-          </p:nvPr>
-        </p:nvSpPr>
-        <p:spPr/>
-        <p:txBody>
-          <a:bodyPr/>
-          <a:lstStyle/>
-          <a:p>
-            <a:r>
-              <a:rPr lang="en-US" dirty="0"/>
-              <a:t>3 Classes</a:t>
-            </a:r>
-          </a:p>
-        </p:txBody>
-      </p:sp>
-      <p:sp>
-        <p:nvSpPr>
-          <p:cNvPr id="3" name="Content Placeholder 2">
-            <a:extLst>
-              <a:ext uri="{FF2B5EF4-FFF2-40B4-BE49-F238E27FC236}">
-                <a16:creationId xmlns:a16="http://schemas.microsoft.com/office/drawing/2014/main" id="{E17D3A25-DAD0-B752-EEF2-1A403CAE228D}"/>
-              </a:ext>
-            </a:extLst>
-          </p:cNvPr>
-          <p:cNvSpPr>
-            <a:spLocks noGrp="1"/>
-          </p:cNvSpPr>
-          <p:nvPr>
-            <p:ph idx="1"/>
-          </p:nvPr>
-        </p:nvSpPr>
-        <p:spPr/>
-        <p:txBody>
-          <a:bodyPr/>
-          <a:lstStyle/>
-          <a:p>
-            <a:r>
-              <a:rPr lang="en-US" dirty="0"/>
-              <a:t>The User</a:t>
-            </a:r>
-          </a:p>
-          <a:p>
-            <a:endParaRPr lang="en-US" dirty="0"/>
-          </a:p>
-          <a:p>
-            <a:r>
-              <a:rPr lang="en-US" dirty="0"/>
-              <a:t>The Landlord</a:t>
-            </a:r>
-          </a:p>
-          <a:p>
-            <a:endParaRPr lang="en-US" dirty="0"/>
-          </a:p>
-          <a:p>
-            <a:r>
-              <a:rPr lang="en-US" dirty="0"/>
-              <a:t>The Houses</a:t>
-            </a:r>
-          </a:p>
-          <a:p>
-            <a:endParaRPr lang="en-US" dirty="0"/>
-          </a:p>
-        </p:txBody>
-      </p:sp>
-    </p:spTree>
-    <p:extLst>
-      <p:ext uri="{BB962C8B-B14F-4D97-AF65-F5344CB8AC3E}">
-        <p14:creationId xmlns:p14="http://schemas.microsoft.com/office/powerpoint/2010/main" val="695661074"/>
-      </p:ext>
-    </p:extLst>
-  </p:cSld>
-  <p:clrMapOvr>
-    <a:masterClrMapping/>
-  </p:clrMapOvr>
-</p:sld>
-</file>
-
-<file path=ppt/slides/slide4.xml><?xml version="1.0" encoding="utf-8"?>
-<p:sld xmlns:a="http://schemas.openxmlformats.org/drawingml/2006/main" xmlns:r="http://schemas.openxmlformats.org/officeDocument/2006/relationships" xmlns:p="http://schemas.openxmlformats.org/presentationml/2006/main">
-  <p:cSld>
-    <p:spTree>
-      <p:nvGrpSpPr>
-        <p:cNvPr id="1" name="">
-          <a:extLst>
-            <a:ext uri="{FF2B5EF4-FFF2-40B4-BE49-F238E27FC236}">
-              <a16:creationId xmlns:a16="http://schemas.microsoft.com/office/drawing/2014/main" id="{94BB90CC-2C08-5726-CC4D-F3DA78CDE177}"/>
-            </a:ext>
-          </a:extLst>
-        </p:cNvPr>
-        <p:cNvGrpSpPr/>
-        <p:nvPr/>
-      </p:nvGrpSpPr>
-      <p:grpSpPr>
-        <a:xfrm>
-          <a:off x="0" y="0"/>
-          <a:ext cx="0" cy="0"/>
-          <a:chOff x="0" y="0"/>
-          <a:chExt cx="0" cy="0"/>
-        </a:xfrm>
-      </p:grpSpPr>
-      <p:sp>
-        <p:nvSpPr>
-          <p:cNvPr id="2" name="Title 1">
-            <a:extLst>
-              <a:ext uri="{FF2B5EF4-FFF2-40B4-BE49-F238E27FC236}">
-                <a16:creationId xmlns:a16="http://schemas.microsoft.com/office/drawing/2014/main" id="{163BE203-93EA-9C11-FFE8-953F81C52499}"/>
-              </a:ext>
-            </a:extLst>
-          </p:cNvPr>
-          <p:cNvSpPr>
-            <a:spLocks noGrp="1"/>
-          </p:cNvSpPr>
-          <p:nvPr>
-            <p:ph type="title"/>
-          </p:nvPr>
-        </p:nvSpPr>
-        <p:spPr/>
-        <p:txBody>
-          <a:bodyPr/>
-          <a:lstStyle/>
-          <a:p>
-            <a:r>
-              <a:rPr lang="en-US" dirty="0"/>
-              <a:t>Information Systems</a:t>
-            </a:r>
-          </a:p>
-        </p:txBody>
-      </p:sp>
-      <p:sp>
-        <p:nvSpPr>
-          <p:cNvPr id="3" name="Content Placeholder 2">
-            <a:extLst>
-              <a:ext uri="{FF2B5EF4-FFF2-40B4-BE49-F238E27FC236}">
-                <a16:creationId xmlns:a16="http://schemas.microsoft.com/office/drawing/2014/main" id="{191E9B55-F21C-E461-173E-AC17E532B09E}"/>
-              </a:ext>
-            </a:extLst>
-          </p:cNvPr>
-          <p:cNvSpPr>
-            <a:spLocks noGrp="1"/>
-          </p:cNvSpPr>
-          <p:nvPr>
-            <p:ph idx="1"/>
-          </p:nvPr>
-        </p:nvSpPr>
-        <p:spPr/>
-        <p:txBody>
-          <a:bodyPr/>
-          <a:lstStyle/>
-          <a:p>
-            <a:r>
-              <a:rPr lang="en-US" dirty="0"/>
-              <a:t> </a:t>
-            </a:r>
-          </a:p>
-          <a:p>
-            <a:endParaRPr lang="en-US" dirty="0"/>
-          </a:p>
-        </p:txBody>
-      </p:sp>
-    </p:spTree>
-    <p:extLst>
-      <p:ext uri="{BB962C8B-B14F-4D97-AF65-F5344CB8AC3E}">
-        <p14:creationId xmlns:p14="http://schemas.microsoft.com/office/powerpoint/2010/main" val="3988326137"/>
-      </p:ext>
-    </p:extLst>
-  </p:cSld>
-  <p:clrMapOvr>
-    <a:masterClrMapping/>
-  </p:clrMapOvr>
-</p:sld>
-</file>
-
-<file path=ppt/slides/slide5.xml><?xml version="1.0" encoding="utf-8"?>
-<p:sld xmlns:a="http://schemas.openxmlformats.org/drawingml/2006/main" xmlns:r="http://schemas.openxmlformats.org/officeDocument/2006/relationships" xmlns:p="http://schemas.openxmlformats.org/presentationml/2006/main">
-  <p:cSld>
-    <p:spTree>
-      <p:nvGrpSpPr>
-        <p:cNvPr id="1" name="">
-          <a:extLst>
-            <a:ext uri="{FF2B5EF4-FFF2-40B4-BE49-F238E27FC236}">
               <a16:creationId xmlns:a16="http://schemas.microsoft.com/office/drawing/2014/main" id="{3D6826D9-265F-EBA2-5FAA-4F2886BE6616}"/>
             </a:ext>
           </a:extLst>
@@ -7928,7 +7502,7 @@
 </p:sld>
 </file>
 
-<file path=ppt/slides/slide6.xml><?xml version="1.0" encoding="utf-8"?>
+<file path=ppt/slides/slide4.xml><?xml version="1.0" encoding="utf-8"?>
 <p:sld xmlns:a="http://schemas.openxmlformats.org/drawingml/2006/main" xmlns:r="http://schemas.openxmlformats.org/officeDocument/2006/relationships" xmlns:p="http://schemas.openxmlformats.org/presentationml/2006/main">
   <p:cSld>
     <p:spTree>
@@ -7974,7 +7548,7 @@
           <a:p>
             <a:r>
               <a:rPr lang="en-US" dirty="0"/>
-              <a:t>Schema/Information System</a:t>
+              <a:t>Schema/Information System and Classes</a:t>
             </a:r>
           </a:p>
         </p:txBody>
@@ -8067,7 +7641,7 @@
 </p:sld>
 </file>
 
-<file path=ppt/slides/slide7.xml><?xml version="1.0" encoding="utf-8"?>
+<file path=ppt/slides/slide5.xml><?xml version="1.0" encoding="utf-8"?>
 <p:sld xmlns:a="http://schemas.openxmlformats.org/drawingml/2006/main" xmlns:r="http://schemas.openxmlformats.org/officeDocument/2006/relationships" xmlns:p="http://schemas.openxmlformats.org/presentationml/2006/main">
   <p:cSld>
     <p:spTree>
@@ -8186,7 +7760,7 @@
 </p:sld>
 </file>
 
-<file path=ppt/slides/slide8.xml><?xml version="1.0" encoding="utf-8"?>
+<file path=ppt/slides/slide6.xml><?xml version="1.0" encoding="utf-8"?>
 <p:sld xmlns:a="http://schemas.openxmlformats.org/drawingml/2006/main" xmlns:r="http://schemas.openxmlformats.org/officeDocument/2006/relationships" xmlns:p="http://schemas.openxmlformats.org/presentationml/2006/main">
   <p:cSld>
     <p:spTree>
@@ -9457,10 +9031,16 @@
 <file path=customXml/itemProps3.xml><?xml version="1.0" encoding="utf-8"?>
 <ds:datastoreItem xmlns:ds="http://schemas.openxmlformats.org/officeDocument/2006/customXml" ds:itemID="{FD3C4601-D919-4B6A-8703-8D3703882086}">
   <ds:schemaRefs>
+    <ds:schemaRef ds:uri="http://www.w3.org/XML/1998/namespace"/>
+    <ds:schemaRef ds:uri="http://purl.org/dc/dcmitype/"/>
+    <ds:schemaRef ds:uri="http://schemas.microsoft.com/office/infopath/2007/PartnerControls"/>
+    <ds:schemaRef ds:uri="http://schemas.microsoft.com/office/2006/documentManagement/types"/>
+    <ds:schemaRef ds:uri="021b69d6-6c04-480c-aecb-e9c819d47159"/>
+    <ds:schemaRef ds:uri="4a8b19ed-585f-4048-92bc-c991e1cc0287"/>
+    <ds:schemaRef ds:uri="http://purl.org/dc/elements/1.1/"/>
+    <ds:schemaRef ds:uri="http://schemas.openxmlformats.org/package/2006/metadata/core-properties"/>
     <ds:schemaRef ds:uri="http://schemas.microsoft.com/office/2006/metadata/properties"/>
-    <ds:schemaRef ds:uri="http://schemas.microsoft.com/office/infopath/2007/PartnerControls"/>
-    <ds:schemaRef ds:uri="4a8b19ed-585f-4048-92bc-c991e1cc0287"/>
-    <ds:schemaRef ds:uri="021b69d6-6c04-480c-aecb-e9c819d47159"/>
+    <ds:schemaRef ds:uri="http://purl.org/dc/terms/"/>
   </ds:schemaRefs>
 </ds:datastoreItem>
 </file>